--- a/01 - GettingStarted/03 Saving state.pptx
+++ b/01 - GettingStarted/03 Saving state.pptx
@@ -226,7 +226,7 @@
           <a:p>
             <a:fld id="{72729E62-4766-4C96-AC0F-E83B2B04DDA3}" type="datetimeFigureOut">
               <a:rPr lang="en-GB" smtClean="0"/>
-              <a:t>02/12/2023</a:t>
+              <a:t>27/01/2024</a:t>
             </a:fld>
             <a:endParaRPr lang="en-GB"/>
           </a:p>
@@ -1248,7 +1248,7 @@
           <a:p>
             <a:fld id="{E916F367-2305-4E6C-9F9E-DC2F4BC41EF5}" type="datetimeFigureOut">
               <a:rPr lang="en-GB" smtClean="0"/>
-              <a:t>02/12/2023</a:t>
+              <a:t>27/01/2024</a:t>
             </a:fld>
             <a:endParaRPr lang="en-GB"/>
           </a:p>
@@ -1448,7 +1448,7 @@
           <a:p>
             <a:fld id="{E916F367-2305-4E6C-9F9E-DC2F4BC41EF5}" type="datetimeFigureOut">
               <a:rPr lang="en-GB" smtClean="0"/>
-              <a:t>02/12/2023</a:t>
+              <a:t>27/01/2024</a:t>
             </a:fld>
             <a:endParaRPr lang="en-GB"/>
           </a:p>
@@ -1658,7 +1658,7 @@
           <a:p>
             <a:fld id="{E916F367-2305-4E6C-9F9E-DC2F4BC41EF5}" type="datetimeFigureOut">
               <a:rPr lang="en-GB" smtClean="0"/>
-              <a:t>02/12/2023</a:t>
+              <a:t>27/01/2024</a:t>
             </a:fld>
             <a:endParaRPr lang="en-GB"/>
           </a:p>
@@ -1863,7 +1863,7 @@
           <a:p>
             <a:fld id="{E916F367-2305-4E6C-9F9E-DC2F4BC41EF5}" type="datetimeFigureOut">
               <a:rPr lang="en-GB" smtClean="0"/>
-              <a:t>02/12/2023</a:t>
+              <a:t>27/01/2024</a:t>
             </a:fld>
             <a:endParaRPr lang="en-GB"/>
           </a:p>
@@ -2139,7 +2139,7 @@
           <a:p>
             <a:fld id="{E916F367-2305-4E6C-9F9E-DC2F4BC41EF5}" type="datetimeFigureOut">
               <a:rPr lang="en-GB" smtClean="0"/>
-              <a:t>02/12/2023</a:t>
+              <a:t>27/01/2024</a:t>
             </a:fld>
             <a:endParaRPr lang="en-GB"/>
           </a:p>
@@ -2407,7 +2407,7 @@
           <a:p>
             <a:fld id="{E916F367-2305-4E6C-9F9E-DC2F4BC41EF5}" type="datetimeFigureOut">
               <a:rPr lang="en-GB" smtClean="0"/>
-              <a:t>02/12/2023</a:t>
+              <a:t>27/01/2024</a:t>
             </a:fld>
             <a:endParaRPr lang="en-GB"/>
           </a:p>
@@ -2822,7 +2822,7 @@
           <a:p>
             <a:fld id="{E916F367-2305-4E6C-9F9E-DC2F4BC41EF5}" type="datetimeFigureOut">
               <a:rPr lang="en-GB" smtClean="0"/>
-              <a:t>02/12/2023</a:t>
+              <a:t>27/01/2024</a:t>
             </a:fld>
             <a:endParaRPr lang="en-GB"/>
           </a:p>
@@ -2964,7 +2964,7 @@
           <a:p>
             <a:fld id="{E916F367-2305-4E6C-9F9E-DC2F4BC41EF5}" type="datetimeFigureOut">
               <a:rPr lang="en-GB" smtClean="0"/>
-              <a:t>02/12/2023</a:t>
+              <a:t>27/01/2024</a:t>
             </a:fld>
             <a:endParaRPr lang="en-GB"/>
           </a:p>
@@ -3077,7 +3077,7 @@
           <a:p>
             <a:fld id="{E916F367-2305-4E6C-9F9E-DC2F4BC41EF5}" type="datetimeFigureOut">
               <a:rPr lang="en-GB" smtClean="0"/>
-              <a:t>02/12/2023</a:t>
+              <a:t>27/01/2024</a:t>
             </a:fld>
             <a:endParaRPr lang="en-GB"/>
           </a:p>
@@ -3390,7 +3390,7 @@
           <a:p>
             <a:fld id="{E916F367-2305-4E6C-9F9E-DC2F4BC41EF5}" type="datetimeFigureOut">
               <a:rPr lang="en-GB" smtClean="0"/>
-              <a:t>02/12/2023</a:t>
+              <a:t>27/01/2024</a:t>
             </a:fld>
             <a:endParaRPr lang="en-GB"/>
           </a:p>
@@ -3679,7 +3679,7 @@
           <a:p>
             <a:fld id="{E916F367-2305-4E6C-9F9E-DC2F4BC41EF5}" type="datetimeFigureOut">
               <a:rPr lang="en-GB" smtClean="0"/>
-              <a:t>02/12/2023</a:t>
+              <a:t>27/01/2024</a:t>
             </a:fld>
             <a:endParaRPr lang="en-GB"/>
           </a:p>
@@ -3922,7 +3922,7 @@
           <a:p>
             <a:fld id="{E916F367-2305-4E6C-9F9E-DC2F4BC41EF5}" type="datetimeFigureOut">
               <a:rPr lang="en-GB" smtClean="0"/>
-              <a:t>02/12/2023</a:t>
+              <a:t>27/01/2024</a:t>
             </a:fld>
             <a:endParaRPr lang="en-GB"/>
           </a:p>
@@ -4560,19 +4560,19 @@
         </p:nvSpPr>
         <p:spPr>
           <a:xfrm>
-            <a:off x="185738" y="1023938"/>
-            <a:ext cx="11725275" cy="5662613"/>
+            <a:off x="282388" y="1243853"/>
+            <a:ext cx="11628625" cy="5442698"/>
           </a:xfrm>
         </p:spPr>
         <p:txBody>
           <a:bodyPr>
-            <a:normAutofit fontScale="92500"/>
+            <a:noAutofit/>
           </a:bodyPr>
           <a:lstStyle/>
           <a:p>
             <a:pPr>
               <a:lnSpc>
-                <a:spcPct val="110000"/>
+                <a:spcPct val="100000"/>
               </a:lnSpc>
               <a:spcBef>
                 <a:spcPts val="400"/>
@@ -4582,7 +4582,7 @@
               </a:spcAft>
             </a:pPr>
             <a:r>
-              <a:rPr lang="en-GB" sz="2400" dirty="0">
+              <a:rPr lang="en-GB" sz="2100" dirty="0">
                 <a:solidFill>
                   <a:srgbClr val="4A4A4A"/>
                 </a:solidFill>
@@ -4591,9 +4591,9 @@
                 <a:ea typeface="Calibri" panose="020F0502020204030204" pitchFamily="34" charset="0"/>
                 <a:cs typeface="Calibri" panose="020F0502020204030204" pitchFamily="34" charset="0"/>
               </a:rPr>
-              <a:t>Need app or plugin to be able to save and recall the state information</a:t>
-            </a:r>
-            <a:endParaRPr lang="en-GB" sz="2400" i="1" dirty="0">
+              <a:t>Need app or plugin to save and recall state information</a:t>
+            </a:r>
+            <a:endParaRPr lang="en-GB" sz="2100" i="1" dirty="0">
               <a:solidFill>
                 <a:srgbClr val="4A4A4A"/>
               </a:solidFill>
@@ -4605,7 +4605,7 @@
           <a:p>
             <a:pPr>
               <a:lnSpc>
-                <a:spcPct val="110000"/>
+                <a:spcPct val="100000"/>
               </a:lnSpc>
               <a:spcBef>
                 <a:spcPts val="400"/>
@@ -4615,53 +4615,17 @@
               </a:spcAft>
             </a:pPr>
             <a:r>
-              <a:rPr lang="en-GB" sz="2400" dirty="0" err="1">
+              <a:rPr lang="en-GB" sz="2100" dirty="0">
                 <a:solidFill>
                   <a:srgbClr val="4A4A4A"/>
                 </a:solidFill>
-                <a:effectLst/>
                 <a:latin typeface="Calibri" panose="020F0502020204030204" pitchFamily="34" charset="0"/>
                 <a:ea typeface="Calibri" panose="020F0502020204030204" pitchFamily="34" charset="0"/>
                 <a:cs typeface="Calibri" panose="020F0502020204030204" pitchFamily="34" charset="0"/>
               </a:rPr>
-              <a:t>getStateInformation</a:t>
-            </a:r>
-            <a:r>
-              <a:rPr lang="en-GB" sz="2400" dirty="0">
-                <a:solidFill>
-                  <a:srgbClr val="4A4A4A"/>
-                </a:solidFill>
-                <a:effectLst/>
-                <a:latin typeface="Calibri" panose="020F0502020204030204" pitchFamily="34" charset="0"/>
-                <a:ea typeface="Calibri" panose="020F0502020204030204" pitchFamily="34" charset="0"/>
-                <a:cs typeface="Calibri" panose="020F0502020204030204" pitchFamily="34" charset="0"/>
-              </a:rPr>
-              <a:t> and </a:t>
-            </a:r>
-            <a:r>
-              <a:rPr lang="en-GB" sz="2400" dirty="0" err="1">
-                <a:solidFill>
-                  <a:srgbClr val="4A4A4A"/>
-                </a:solidFill>
-                <a:effectLst/>
-                <a:latin typeface="Calibri" panose="020F0502020204030204" pitchFamily="34" charset="0"/>
-                <a:ea typeface="Calibri" panose="020F0502020204030204" pitchFamily="34" charset="0"/>
-                <a:cs typeface="Calibri" panose="020F0502020204030204" pitchFamily="34" charset="0"/>
-              </a:rPr>
-              <a:t>setStatInformatione</a:t>
-            </a:r>
-            <a:r>
-              <a:rPr lang="en-GB" sz="2400" dirty="0">
-                <a:solidFill>
-                  <a:srgbClr val="4A4A4A"/>
-                </a:solidFill>
-                <a:latin typeface="Calibri" panose="020F0502020204030204" pitchFamily="34" charset="0"/>
-                <a:ea typeface="Calibri" panose="020F0502020204030204" pitchFamily="34" charset="0"/>
-                <a:cs typeface="Calibri" panose="020F0502020204030204" pitchFamily="34" charset="0"/>
-              </a:rPr>
-              <a:t> methods allow plug-in settings to be stored and retrieved across sessions</a:t>
-            </a:r>
-            <a:endParaRPr lang="en-GB" sz="2400" kern="0" dirty="0">
+              <a:t>Two methods needed to allow plug-in settings to be stored and retrieved across sessions</a:t>
+            </a:r>
+            <a:endParaRPr lang="en-GB" sz="2100" kern="0" dirty="0">
               <a:solidFill>
                 <a:srgbClr val="0000FF"/>
               </a:solidFill>
@@ -4674,7 +4638,7 @@
           <a:p>
             <a:pPr lvl="2">
               <a:lnSpc>
-                <a:spcPct val="110000"/>
+                <a:spcPct val="100000"/>
               </a:lnSpc>
               <a:spcBef>
                 <a:spcPts val="400"/>
@@ -4683,7 +4647,7 @@
                 <a:spcPts val="400"/>
               </a:spcAft>
             </a:pPr>
-            <a:endParaRPr lang="en-GB" sz="1600" kern="0" dirty="0">
+            <a:endParaRPr lang="en-GB" kern="0" dirty="0">
               <a:solidFill>
                 <a:srgbClr val="0000FF"/>
               </a:solidFill>
@@ -4695,7 +4659,7 @@
           <a:p>
             <a:pPr marL="0" lvl="0" indent="0" algn="l">
               <a:lnSpc>
-                <a:spcPct val="110000"/>
+                <a:spcPct val="100000"/>
               </a:lnSpc>
               <a:spcBef>
                 <a:spcPts val="400"/>
@@ -4706,7 +4670,7 @@
               <a:buNone/>
             </a:pPr>
             <a:r>
-              <a:rPr lang="en-GB" sz="1800" kern="0" dirty="0">
+              <a:rPr lang="en-GB" sz="2100" kern="0" dirty="0">
                 <a:solidFill>
                   <a:srgbClr val="0000FF"/>
                 </a:solidFill>
@@ -4718,7 +4682,7 @@
               <a:t>void</a:t>
             </a:r>
             <a:r>
-              <a:rPr lang="en-GB" sz="1800" kern="0" dirty="0">
+              <a:rPr lang="en-GB" sz="2100" kern="0" dirty="0">
                 <a:solidFill>
                   <a:srgbClr val="000000"/>
                 </a:solidFill>
@@ -4730,7 +4694,7 @@
               <a:t> </a:t>
             </a:r>
             <a:r>
-              <a:rPr lang="en-GB" sz="1800" kern="0" dirty="0" err="1">
+              <a:rPr lang="en-GB" sz="2100" kern="0" dirty="0" err="1">
                 <a:solidFill>
                   <a:srgbClr val="000000"/>
                 </a:solidFill>
@@ -4742,7 +4706,7 @@
               <a:t>getStateInformation</a:t>
             </a:r>
             <a:r>
-              <a:rPr lang="en-GB" sz="1800" kern="0" dirty="0">
+              <a:rPr lang="en-GB" sz="2100" kern="0" dirty="0">
                 <a:solidFill>
                   <a:srgbClr val="000000"/>
                 </a:solidFill>
@@ -4754,7 +4718,7 @@
               <a:t> (</a:t>
             </a:r>
             <a:r>
-              <a:rPr lang="en-GB" sz="1800" kern="0" dirty="0" err="1">
+              <a:rPr lang="en-GB" sz="2100" kern="0" dirty="0" err="1">
                 <a:solidFill>
                   <a:srgbClr val="2B91AF"/>
                 </a:solidFill>
@@ -4766,7 +4730,7 @@
               <a:t>MemoryBlock</a:t>
             </a:r>
             <a:r>
-              <a:rPr lang="en-GB" sz="1800" kern="0" dirty="0">
+              <a:rPr lang="en-GB" sz="2100" kern="0" dirty="0">
                 <a:solidFill>
                   <a:srgbClr val="000000"/>
                 </a:solidFill>
@@ -4778,7 +4742,7 @@
               <a:t>&amp; </a:t>
             </a:r>
             <a:r>
-              <a:rPr lang="en-GB" sz="1800" kern="0" dirty="0" err="1">
+              <a:rPr lang="en-GB" sz="2100" kern="0" dirty="0" err="1">
                 <a:solidFill>
                   <a:srgbClr val="808080"/>
                 </a:solidFill>
@@ -4790,7 +4754,7 @@
               <a:t>destData</a:t>
             </a:r>
             <a:r>
-              <a:rPr lang="en-GB" sz="1800" kern="0" dirty="0">
+              <a:rPr lang="en-GB" sz="2100" kern="0" dirty="0">
                 <a:solidFill>
                   <a:srgbClr val="000000"/>
                 </a:solidFill>
@@ -4802,7 +4766,7 @@
               <a:t>) </a:t>
             </a:r>
             <a:r>
-              <a:rPr lang="en-GB" sz="1800" kern="0" dirty="0">
+              <a:rPr lang="en-GB" sz="2100" kern="0" dirty="0">
                 <a:solidFill>
                   <a:srgbClr val="0000FF"/>
                 </a:solidFill>
@@ -4814,7 +4778,7 @@
               <a:t>override</a:t>
             </a:r>
             <a:r>
-              <a:rPr lang="en-GB" sz="1800" kern="0" dirty="0">
+              <a:rPr lang="en-GB" sz="2100" kern="0" dirty="0">
                 <a:solidFill>
                   <a:srgbClr val="000000"/>
                 </a:solidFill>
@@ -4825,7 +4789,7 @@
               </a:rPr>
               <a:t>;</a:t>
             </a:r>
-            <a:endParaRPr lang="en-GB" sz="1800" kern="100" dirty="0">
+            <a:endParaRPr lang="en-GB" sz="2100" kern="100" dirty="0">
               <a:effectLst/>
               <a:latin typeface="Times New Roman" panose="02020603050405020304" pitchFamily="18" charset="0"/>
               <a:ea typeface="Times New Roman" panose="02020603050405020304" pitchFamily="18" charset="0"/>
@@ -4834,7 +4798,7 @@
           <a:p>
             <a:pPr algn="l">
               <a:lnSpc>
-                <a:spcPct val="110000"/>
+                <a:spcPct val="100000"/>
               </a:lnSpc>
               <a:spcBef>
                 <a:spcPts val="400"/>
@@ -4844,7 +4808,7 @@
               </a:spcAft>
             </a:pPr>
             <a:r>
-              <a:rPr lang="en-GB" sz="2400" kern="0" dirty="0">
+              <a:rPr lang="en-GB" sz="2100" kern="0" dirty="0">
                 <a:effectLst/>
                 <a:ea typeface="Times New Roman" panose="02020603050405020304" pitchFamily="18" charset="0"/>
               </a:rPr>
@@ -4854,7 +4818,7 @@
           <a:p>
             <a:pPr algn="l">
               <a:lnSpc>
-                <a:spcPct val="110000"/>
+                <a:spcPct val="100000"/>
               </a:lnSpc>
               <a:spcBef>
                 <a:spcPts val="400"/>
@@ -4864,37 +4828,37 @@
               </a:spcAft>
             </a:pPr>
             <a:r>
-              <a:rPr lang="en-GB" sz="2400" kern="0" dirty="0">
+              <a:rPr lang="en-GB" sz="2100" kern="0" dirty="0">
                 <a:ea typeface="Times New Roman" panose="02020603050405020304" pitchFamily="18" charset="0"/>
               </a:rPr>
               <a:t>Store</a:t>
             </a:r>
             <a:r>
-              <a:rPr lang="en-GB" sz="2400" kern="0" dirty="0">
+              <a:rPr lang="en-GB" sz="2100" kern="0" dirty="0">
                 <a:effectLst/>
                 <a:ea typeface="Times New Roman" panose="02020603050405020304" pitchFamily="18" charset="0"/>
               </a:rPr>
               <a:t> as raw data, or use XML or </a:t>
             </a:r>
             <a:r>
-              <a:rPr lang="en-GB" sz="2400" kern="0" dirty="0" err="1">
+              <a:rPr lang="en-GB" sz="2100" kern="0" dirty="0" err="1">
                 <a:effectLst/>
                 <a:ea typeface="Times New Roman" panose="02020603050405020304" pitchFamily="18" charset="0"/>
               </a:rPr>
               <a:t>ValueTree</a:t>
             </a:r>
             <a:r>
-              <a:rPr lang="en-GB" sz="2400" kern="0" dirty="0">
+              <a:rPr lang="en-GB" sz="2100" kern="0" dirty="0">
                 <a:effectLst/>
                 <a:ea typeface="Times New Roman" panose="02020603050405020304" pitchFamily="18" charset="0"/>
               </a:rPr>
-              <a:t> classes as intermediaries to make it easy to save and load complex data</a:t>
+              <a:t> classes to save and load complex data</a:t>
             </a:r>
           </a:p>
           <a:p>
             <a:pPr algn="l">
               <a:lnSpc>
-                <a:spcPct val="110000"/>
+                <a:spcPct val="100000"/>
               </a:lnSpc>
               <a:spcBef>
                 <a:spcPts val="400"/>
@@ -4904,7 +4868,7 @@
               </a:spcAft>
             </a:pPr>
             <a:r>
-              <a:rPr lang="en-GB" sz="2400" kern="0" dirty="0">
+              <a:rPr lang="en-GB" sz="2100" kern="0" dirty="0">
                 <a:effectLst/>
                 <a:ea typeface="Times New Roman" panose="02020603050405020304" pitchFamily="18" charset="0"/>
               </a:rPr>
@@ -4914,7 +4878,7 @@
           <a:p>
             <a:pPr lvl="1">
               <a:lnSpc>
-                <a:spcPct val="110000"/>
+                <a:spcPct val="100000"/>
               </a:lnSpc>
               <a:spcBef>
                 <a:spcPts val="400"/>
@@ -4931,7 +4895,7 @@
           <a:p>
             <a:pPr marL="0" lvl="0" indent="0" algn="l">
               <a:lnSpc>
-                <a:spcPct val="110000"/>
+                <a:spcPct val="100000"/>
               </a:lnSpc>
               <a:spcBef>
                 <a:spcPts val="400"/>
@@ -4942,7 +4906,7 @@
               <a:buNone/>
             </a:pPr>
             <a:r>
-              <a:rPr lang="en-GB" sz="1800" kern="0" dirty="0">
+              <a:rPr lang="en-GB" sz="2100" kern="0" dirty="0">
                 <a:solidFill>
                   <a:srgbClr val="0000FF"/>
                 </a:solidFill>
@@ -4954,7 +4918,7 @@
               <a:t>void</a:t>
             </a:r>
             <a:r>
-              <a:rPr lang="en-GB" sz="1800" kern="0" dirty="0">
+              <a:rPr lang="en-GB" sz="2100" kern="0" dirty="0">
                 <a:solidFill>
                   <a:srgbClr val="000000"/>
                 </a:solidFill>
@@ -4966,7 +4930,7 @@
               <a:t> </a:t>
             </a:r>
             <a:r>
-              <a:rPr lang="en-GB" sz="1800" kern="0" dirty="0" err="1">
+              <a:rPr lang="en-GB" sz="2100" kern="0" dirty="0" err="1">
                 <a:solidFill>
                   <a:srgbClr val="000000"/>
                 </a:solidFill>
@@ -4978,7 +4942,7 @@
               <a:t>setStateInformation</a:t>
             </a:r>
             <a:r>
-              <a:rPr lang="en-GB" sz="1800" kern="0" dirty="0">
+              <a:rPr lang="en-GB" sz="2100" kern="0" dirty="0">
                 <a:solidFill>
                   <a:srgbClr val="000000"/>
                 </a:solidFill>
@@ -4990,7 +4954,7 @@
               <a:t> (</a:t>
             </a:r>
             <a:r>
-              <a:rPr lang="en-GB" sz="1800" kern="0" dirty="0" err="1">
+              <a:rPr lang="en-GB" sz="2100" kern="0" dirty="0" err="1">
                 <a:solidFill>
                   <a:srgbClr val="0000FF"/>
                 </a:solidFill>
@@ -5002,7 +4966,7 @@
               <a:t>const</a:t>
             </a:r>
             <a:r>
-              <a:rPr lang="en-GB" sz="1800" kern="0" dirty="0">
+              <a:rPr lang="en-GB" sz="2100" kern="0" dirty="0">
                 <a:solidFill>
                   <a:srgbClr val="000000"/>
                 </a:solidFill>
@@ -5014,7 +4978,7 @@
               <a:t> </a:t>
             </a:r>
             <a:r>
-              <a:rPr lang="en-GB" sz="1800" kern="0" dirty="0">
+              <a:rPr lang="en-GB" sz="2100" kern="0" dirty="0">
                 <a:solidFill>
                   <a:srgbClr val="0000FF"/>
                 </a:solidFill>
@@ -5026,7 +4990,7 @@
               <a:t>void</a:t>
             </a:r>
             <a:r>
-              <a:rPr lang="en-GB" sz="1800" kern="0" dirty="0">
+              <a:rPr lang="en-GB" sz="2100" kern="0" dirty="0">
                 <a:solidFill>
                   <a:srgbClr val="000000"/>
                 </a:solidFill>
@@ -5038,7 +5002,7 @@
               <a:t>* </a:t>
             </a:r>
             <a:r>
-              <a:rPr lang="en-GB" sz="1800" kern="0" dirty="0">
+              <a:rPr lang="en-GB" sz="2100" kern="0" dirty="0">
                 <a:solidFill>
                   <a:srgbClr val="808080"/>
                 </a:solidFill>
@@ -5050,7 +5014,7 @@
               <a:t>data</a:t>
             </a:r>
             <a:r>
-              <a:rPr lang="en-GB" sz="1800" kern="0" dirty="0">
+              <a:rPr lang="en-GB" sz="2100" kern="0" dirty="0">
                 <a:solidFill>
                   <a:srgbClr val="000000"/>
                 </a:solidFill>
@@ -5062,7 +5026,7 @@
               <a:t>, </a:t>
             </a:r>
             <a:r>
-              <a:rPr lang="en-GB" sz="1800" kern="0" dirty="0">
+              <a:rPr lang="en-GB" sz="2100" kern="0" dirty="0">
                 <a:solidFill>
                   <a:srgbClr val="0000FF"/>
                 </a:solidFill>
@@ -5074,7 +5038,7 @@
               <a:t>int</a:t>
             </a:r>
             <a:r>
-              <a:rPr lang="en-GB" sz="1800" kern="0" dirty="0">
+              <a:rPr lang="en-GB" sz="2100" kern="0" dirty="0">
                 <a:solidFill>
                   <a:srgbClr val="000000"/>
                 </a:solidFill>
@@ -5086,7 +5050,7 @@
               <a:t> </a:t>
             </a:r>
             <a:r>
-              <a:rPr lang="en-GB" sz="1800" kern="0" dirty="0" err="1">
+              <a:rPr lang="en-GB" sz="2100" kern="0" dirty="0" err="1">
                 <a:solidFill>
                   <a:srgbClr val="808080"/>
                 </a:solidFill>
@@ -5098,7 +5062,7 @@
               <a:t>sizeInBytes</a:t>
             </a:r>
             <a:r>
-              <a:rPr lang="en-GB" sz="1800" kern="0" dirty="0">
+              <a:rPr lang="en-GB" sz="2100" kern="0" dirty="0">
                 <a:solidFill>
                   <a:srgbClr val="000000"/>
                 </a:solidFill>
@@ -5110,7 +5074,7 @@
               <a:t>) </a:t>
             </a:r>
             <a:r>
-              <a:rPr lang="en-GB" sz="1800" kern="0" dirty="0">
+              <a:rPr lang="en-GB" sz="2100" kern="0" dirty="0">
                 <a:solidFill>
                   <a:srgbClr val="0000FF"/>
                 </a:solidFill>
@@ -5122,7 +5086,7 @@
               <a:t>override</a:t>
             </a:r>
             <a:r>
-              <a:rPr lang="en-GB" sz="1800" kern="0" dirty="0">
+              <a:rPr lang="en-GB" sz="2100" kern="0" dirty="0">
                 <a:solidFill>
                   <a:srgbClr val="000000"/>
                 </a:solidFill>
@@ -5133,7 +5097,7 @@
               </a:rPr>
               <a:t>;</a:t>
             </a:r>
-            <a:endParaRPr lang="en-GB" sz="1800" kern="100" dirty="0">
+            <a:endParaRPr lang="en-GB" sz="2100" kern="100" dirty="0">
               <a:effectLst/>
               <a:latin typeface="Times New Roman" panose="02020603050405020304" pitchFamily="18" charset="0"/>
               <a:ea typeface="Times New Roman" panose="02020603050405020304" pitchFamily="18" charset="0"/>
@@ -5142,7 +5106,7 @@
           <a:p>
             <a:pPr algn="l">
               <a:lnSpc>
-                <a:spcPct val="110000"/>
+                <a:spcPct val="100000"/>
               </a:lnSpc>
               <a:spcBef>
                 <a:spcPts val="400"/>
@@ -5152,20 +5116,20 @@
               </a:spcAft>
             </a:pPr>
             <a:r>
-              <a:rPr lang="en-GB" sz="2400" kern="0" dirty="0">
+              <a:rPr lang="en-GB" sz="2100" kern="0" dirty="0">
                 <a:effectLst/>
                 <a:ea typeface="Times New Roman" panose="02020603050405020304" pitchFamily="18" charset="0"/>
               </a:rPr>
-              <a:t>Restores parameters from the memory block whose contents were created by </a:t>
-            </a:r>
-            <a:r>
-              <a:rPr lang="en-GB" sz="2400" kern="0" dirty="0" err="1">
+              <a:t>Restores parameters from memory block whose contents were created by </a:t>
+            </a:r>
+            <a:r>
+              <a:rPr lang="en-GB" sz="2100" kern="0" dirty="0" err="1">
                 <a:effectLst/>
                 <a:ea typeface="Times New Roman" panose="02020603050405020304" pitchFamily="18" charset="0"/>
               </a:rPr>
               <a:t>getStateInformation</a:t>
             </a:r>
-            <a:endParaRPr lang="en-GB" sz="2400" kern="0" dirty="0">
+            <a:endParaRPr lang="en-GB" sz="2100" kern="0" dirty="0">
               <a:effectLst/>
               <a:ea typeface="Times New Roman" panose="02020603050405020304" pitchFamily="18" charset="0"/>
             </a:endParaRPr>
@@ -5173,7 +5137,7 @@
           <a:p>
             <a:pPr algn="l">
               <a:lnSpc>
-                <a:spcPct val="110000"/>
+                <a:spcPct val="100000"/>
               </a:lnSpc>
               <a:spcBef>
                 <a:spcPts val="400"/>
@@ -5183,13 +5147,13 @@
               </a:spcAft>
             </a:pPr>
             <a:r>
-              <a:rPr lang="en-GB" sz="2400" kern="0" dirty="0">
+              <a:rPr lang="en-GB" sz="2100" kern="0" dirty="0">
                 <a:effectLst/>
                 <a:ea typeface="Times New Roman" panose="02020603050405020304" pitchFamily="18" charset="0"/>
               </a:rPr>
-              <a:t>Called by host before processing, when it needs to restore  saved plugin state</a:t>
-            </a:r>
-            <a:endParaRPr lang="en-GB" sz="2400" kern="100" dirty="0">
+              <a:t>Called by host before processing, when it needs to restore saved plugin state</a:t>
+            </a:r>
+            <a:endParaRPr lang="en-GB" sz="2100" kern="100" dirty="0">
               <a:effectLst/>
               <a:ea typeface="Times New Roman" panose="02020603050405020304" pitchFamily="18" charset="0"/>
             </a:endParaRPr>
@@ -5272,55 +5236,55 @@
         </p:nvSpPr>
         <p:spPr>
           <a:xfrm>
-            <a:off x="395288" y="1128712"/>
-            <a:ext cx="11206162" cy="5634037"/>
+            <a:off x="322729" y="1042146"/>
+            <a:ext cx="11665323" cy="5720603"/>
           </a:xfrm>
         </p:spPr>
         <p:txBody>
           <a:bodyPr>
-            <a:normAutofit fontScale="92500" lnSpcReduction="20000"/>
+            <a:normAutofit fontScale="92500" lnSpcReduction="10000"/>
           </a:bodyPr>
           <a:lstStyle/>
           <a:p>
             <a:r>
-              <a:rPr lang="en-GB" dirty="0"/>
-              <a:t>Lets modify the Generic UI Hello World</a:t>
-            </a:r>
-          </a:p>
-          <a:p>
-            <a:r>
-              <a:rPr lang="en-GB" dirty="0"/>
-              <a:t>We only need to change the </a:t>
-            </a:r>
-            <a:r>
-              <a:rPr lang="en-GB" dirty="0" err="1"/>
+              <a:rPr lang="en-GB" sz="2600" dirty="0"/>
+              <a:t>Lets modify Generic UI Hello World</a:t>
+            </a:r>
+          </a:p>
+          <a:p>
+            <a:r>
+              <a:rPr lang="en-GB" sz="2600" dirty="0"/>
+              <a:t>Only need to change </a:t>
+            </a:r>
+            <a:r>
+              <a:rPr lang="en-GB" sz="2600" dirty="0" err="1"/>
               <a:t>getStateInformation</a:t>
             </a:r>
             <a:r>
-              <a:rPr lang="en-GB" dirty="0"/>
+              <a:rPr lang="en-GB" sz="2600" dirty="0"/>
               <a:t> and </a:t>
             </a:r>
             <a:r>
-              <a:rPr lang="en-GB" dirty="0" err="1"/>
+              <a:rPr lang="en-GB" sz="2600" dirty="0" err="1"/>
               <a:t>setStateInformation</a:t>
             </a:r>
-            <a:endParaRPr lang="en-GB" dirty="0"/>
-          </a:p>
-          <a:p>
-            <a:r>
-              <a:rPr lang="en-GB" dirty="0"/>
+            <a:endParaRPr lang="en-GB" sz="2600" dirty="0"/>
+          </a:p>
+          <a:p>
+            <a:r>
+              <a:rPr lang="en-GB" sz="2600" dirty="0"/>
               <a:t>Option 1: storing as XML</a:t>
             </a:r>
           </a:p>
           <a:p>
-            <a:endParaRPr lang="en-GB" dirty="0"/>
+            <a:endParaRPr lang="en-GB" sz="1300" dirty="0"/>
           </a:p>
           <a:p>
             <a:pPr marL="0" indent="0">
               <a:buNone/>
             </a:pPr>
             <a:r>
-              <a:rPr lang="en-GB" sz="1600" dirty="0">
+              <a:rPr lang="en-GB" sz="1700" dirty="0">
                 <a:solidFill>
                   <a:srgbClr val="0000FF"/>
                 </a:solidFill>
@@ -5329,7 +5293,7 @@
               <a:t>void</a:t>
             </a:r>
             <a:r>
-              <a:rPr lang="en-GB" sz="1600" dirty="0">
+              <a:rPr lang="en-GB" sz="1700" dirty="0">
                 <a:solidFill>
                   <a:srgbClr val="000000"/>
                 </a:solidFill>
@@ -5338,7 +5302,7 @@
               <a:t> </a:t>
             </a:r>
             <a:r>
-              <a:rPr lang="en-GB" sz="1600" dirty="0" err="1">
+              <a:rPr lang="en-GB" sz="1700" dirty="0" err="1">
                 <a:solidFill>
                   <a:srgbClr val="2B91AF"/>
                 </a:solidFill>
@@ -5347,7 +5311,7 @@
               <a:t>NewProjectAudioProcessor</a:t>
             </a:r>
             <a:r>
-              <a:rPr lang="en-GB" sz="1600" dirty="0">
+              <a:rPr lang="en-GB" sz="1700" dirty="0">
                 <a:solidFill>
                   <a:srgbClr val="000000"/>
                 </a:solidFill>
@@ -5356,7 +5320,7 @@
               <a:t>::</a:t>
             </a:r>
             <a:r>
-              <a:rPr lang="en-GB" sz="1600" dirty="0" err="1">
+              <a:rPr lang="en-GB" sz="1700" dirty="0" err="1">
                 <a:solidFill>
                   <a:srgbClr val="000000"/>
                 </a:solidFill>
@@ -5365,7 +5329,7 @@
               <a:t>getStateInformation</a:t>
             </a:r>
             <a:r>
-              <a:rPr lang="en-GB" sz="1600" dirty="0">
+              <a:rPr lang="en-GB" sz="1700" dirty="0">
                 <a:solidFill>
                   <a:srgbClr val="000000"/>
                 </a:solidFill>
@@ -5374,7 +5338,7 @@
               <a:t> (</a:t>
             </a:r>
             <a:r>
-              <a:rPr lang="en-GB" sz="1600" dirty="0" err="1">
+              <a:rPr lang="en-GB" sz="1700" dirty="0" err="1">
                 <a:solidFill>
                   <a:srgbClr val="000000"/>
                 </a:solidFill>
@@ -5383,7 +5347,7 @@
               <a:t>juce</a:t>
             </a:r>
             <a:r>
-              <a:rPr lang="en-GB" sz="1600" dirty="0">
+              <a:rPr lang="en-GB" sz="1700" dirty="0">
                 <a:solidFill>
                   <a:srgbClr val="000000"/>
                 </a:solidFill>
@@ -5392,7 +5356,7 @@
               <a:t>::</a:t>
             </a:r>
             <a:r>
-              <a:rPr lang="en-GB" sz="1600" dirty="0" err="1">
+              <a:rPr lang="en-GB" sz="1700" dirty="0" err="1">
                 <a:solidFill>
                   <a:srgbClr val="2B91AF"/>
                 </a:solidFill>
@@ -5401,7 +5365,7 @@
               <a:t>MemoryBlock</a:t>
             </a:r>
             <a:r>
-              <a:rPr lang="en-GB" sz="1600" dirty="0">
+              <a:rPr lang="en-GB" sz="1700" dirty="0">
                 <a:solidFill>
                   <a:srgbClr val="000000"/>
                 </a:solidFill>
@@ -5410,7 +5374,7 @@
               <a:t>&amp; </a:t>
             </a:r>
             <a:r>
-              <a:rPr lang="en-GB" sz="1600" dirty="0" err="1">
+              <a:rPr lang="en-GB" sz="1700" dirty="0" err="1">
                 <a:solidFill>
                   <a:srgbClr val="808080"/>
                 </a:solidFill>
@@ -5419,7 +5383,7 @@
               <a:t>destData</a:t>
             </a:r>
             <a:r>
-              <a:rPr lang="en-GB" sz="1600" dirty="0">
+              <a:rPr lang="en-GB" sz="1700" dirty="0">
                 <a:solidFill>
                   <a:srgbClr val="000000"/>
                 </a:solidFill>
@@ -5433,7 +5397,7 @@
               <a:buNone/>
             </a:pPr>
             <a:r>
-              <a:rPr lang="en-GB" sz="1600" dirty="0">
+              <a:rPr lang="en-GB" sz="1700" dirty="0">
                 <a:solidFill>
                   <a:srgbClr val="000000"/>
                 </a:solidFill>
@@ -5447,7 +5411,7 @@
               <a:buNone/>
             </a:pPr>
             <a:r>
-              <a:rPr lang="en-GB" sz="1600" dirty="0">
+              <a:rPr lang="en-GB" sz="1700" dirty="0">
                 <a:solidFill>
                   <a:srgbClr val="000000"/>
                 </a:solidFill>
@@ -5456,7 +5420,7 @@
               <a:t>  std::</a:t>
             </a:r>
             <a:r>
-              <a:rPr lang="en-GB" sz="1600" dirty="0" err="1">
+              <a:rPr lang="en-GB" sz="1700" dirty="0" err="1">
                 <a:solidFill>
                   <a:srgbClr val="2B91AF"/>
                 </a:solidFill>
@@ -5465,7 +5429,7 @@
               <a:t>unique_ptr</a:t>
             </a:r>
             <a:r>
-              <a:rPr lang="en-GB" sz="1600" dirty="0">
+              <a:rPr lang="en-GB" sz="1700" dirty="0">
                 <a:solidFill>
                   <a:srgbClr val="000000"/>
                 </a:solidFill>
@@ -5474,7 +5438,7 @@
               <a:t>&lt;</a:t>
             </a:r>
             <a:r>
-              <a:rPr lang="en-GB" sz="1600" dirty="0" err="1">
+              <a:rPr lang="en-GB" sz="1700" dirty="0" err="1">
                 <a:solidFill>
                   <a:srgbClr val="000000"/>
                 </a:solidFill>
@@ -5483,7 +5447,7 @@
               <a:t>juce</a:t>
             </a:r>
             <a:r>
-              <a:rPr lang="en-GB" sz="1600" dirty="0">
+              <a:rPr lang="en-GB" sz="1700" dirty="0">
                 <a:solidFill>
                   <a:srgbClr val="000000"/>
                 </a:solidFill>
@@ -5492,7 +5456,7 @@
               <a:t>::</a:t>
             </a:r>
             <a:r>
-              <a:rPr lang="en-GB" sz="1600" dirty="0" err="1">
+              <a:rPr lang="en-GB" sz="1700" dirty="0" err="1">
                 <a:solidFill>
                   <a:srgbClr val="2B91AF"/>
                 </a:solidFill>
@@ -5501,7 +5465,7 @@
               <a:t>XmlElement</a:t>
             </a:r>
             <a:r>
-              <a:rPr lang="en-GB" sz="1600" dirty="0">
+              <a:rPr lang="en-GB" sz="1700" dirty="0">
                 <a:solidFill>
                   <a:srgbClr val="000000"/>
                 </a:solidFill>
@@ -5510,7 +5474,7 @@
               <a:t>&gt; xml(</a:t>
             </a:r>
             <a:r>
-              <a:rPr lang="en-GB" sz="1600" dirty="0">
+              <a:rPr lang="en-GB" sz="1700" dirty="0">
                 <a:solidFill>
                   <a:srgbClr val="0000FF"/>
                 </a:solidFill>
@@ -5519,7 +5483,7 @@
               <a:t>new</a:t>
             </a:r>
             <a:r>
-              <a:rPr lang="en-GB" sz="1600" dirty="0">
+              <a:rPr lang="en-GB" sz="1700" dirty="0">
                 <a:solidFill>
                   <a:srgbClr val="000000"/>
                 </a:solidFill>
@@ -5528,7 +5492,7 @@
               <a:t> </a:t>
             </a:r>
             <a:r>
-              <a:rPr lang="en-GB" sz="1600" dirty="0" err="1">
+              <a:rPr lang="en-GB" sz="1700" dirty="0" err="1">
                 <a:solidFill>
                   <a:srgbClr val="000000"/>
                 </a:solidFill>
@@ -5537,7 +5501,7 @@
               <a:t>juce</a:t>
             </a:r>
             <a:r>
-              <a:rPr lang="en-GB" sz="1600" dirty="0">
+              <a:rPr lang="en-GB" sz="1700" dirty="0">
                 <a:solidFill>
                   <a:srgbClr val="000000"/>
                 </a:solidFill>
@@ -5546,7 +5510,7 @@
               <a:t>::</a:t>
             </a:r>
             <a:r>
-              <a:rPr lang="en-GB" sz="1600" dirty="0" err="1">
+              <a:rPr lang="en-GB" sz="1700" dirty="0" err="1">
                 <a:solidFill>
                   <a:srgbClr val="2B91AF"/>
                 </a:solidFill>
@@ -5555,7 +5519,7 @@
               <a:t>XmlElement</a:t>
             </a:r>
             <a:r>
-              <a:rPr lang="en-GB" sz="1600" dirty="0">
+              <a:rPr lang="en-GB" sz="1700" dirty="0">
                 <a:solidFill>
                   <a:srgbClr val="000000"/>
                 </a:solidFill>
@@ -5564,7 +5528,7 @@
               <a:t>(</a:t>
             </a:r>
             <a:r>
-              <a:rPr lang="en-GB" sz="1600" dirty="0">
+              <a:rPr lang="en-GB" sz="1700" dirty="0">
                 <a:solidFill>
                   <a:srgbClr val="A31515"/>
                 </a:solidFill>
@@ -5573,7 +5537,7 @@
               <a:t>"</a:t>
             </a:r>
             <a:r>
-              <a:rPr lang="en-GB" sz="1600" dirty="0" err="1">
+              <a:rPr lang="en-GB" sz="1700" dirty="0" err="1">
                 <a:solidFill>
                   <a:srgbClr val="A31515"/>
                 </a:solidFill>
@@ -5582,7 +5546,7 @@
               <a:t>ParamTutorial</a:t>
             </a:r>
             <a:r>
-              <a:rPr lang="en-GB" sz="1600" dirty="0">
+              <a:rPr lang="en-GB" sz="1700" dirty="0">
                 <a:solidFill>
                   <a:srgbClr val="A31515"/>
                 </a:solidFill>
@@ -5591,7 +5555,7 @@
               <a:t>"</a:t>
             </a:r>
             <a:r>
-              <a:rPr lang="en-GB" sz="1600" dirty="0">
+              <a:rPr lang="en-GB" sz="1700" dirty="0">
                 <a:solidFill>
                   <a:srgbClr val="000000"/>
                 </a:solidFill>
@@ -5605,7 +5569,7 @@
               <a:buNone/>
             </a:pPr>
             <a:r>
-              <a:rPr lang="en-GB" sz="1600" dirty="0">
+              <a:rPr lang="en-GB" sz="1700" dirty="0">
                 <a:solidFill>
                   <a:srgbClr val="000000"/>
                 </a:solidFill>
@@ -5614,7 +5578,7 @@
               <a:t>  xml</a:t>
             </a:r>
             <a:r>
-              <a:rPr lang="en-GB" sz="1600" dirty="0">
+              <a:rPr lang="en-GB" sz="1700" dirty="0">
                 <a:solidFill>
                   <a:srgbClr val="008080"/>
                 </a:solidFill>
@@ -5623,7 +5587,7 @@
               <a:t>-&gt;</a:t>
             </a:r>
             <a:r>
-              <a:rPr lang="en-GB" sz="1600" dirty="0" err="1">
+              <a:rPr lang="en-GB" sz="1700" dirty="0" err="1">
                 <a:solidFill>
                   <a:srgbClr val="000000"/>
                 </a:solidFill>
@@ -5632,7 +5596,7 @@
               <a:t>setAttribute</a:t>
             </a:r>
             <a:r>
-              <a:rPr lang="en-GB" sz="1600" dirty="0">
+              <a:rPr lang="en-GB" sz="1700" dirty="0">
                 <a:solidFill>
                   <a:srgbClr val="000000"/>
                 </a:solidFill>
@@ -5641,7 +5605,7 @@
               <a:t>(</a:t>
             </a:r>
             <a:r>
-              <a:rPr lang="en-GB" sz="1600" dirty="0">
+              <a:rPr lang="en-GB" sz="1700" dirty="0">
                 <a:solidFill>
                   <a:srgbClr val="A31515"/>
                 </a:solidFill>
@@ -5650,7 +5614,7 @@
               <a:t>"gain"</a:t>
             </a:r>
             <a:r>
-              <a:rPr lang="en-GB" sz="1600" dirty="0">
+              <a:rPr lang="en-GB" sz="1700" dirty="0">
                 <a:solidFill>
                   <a:srgbClr val="000000"/>
                 </a:solidFill>
@@ -5659,7 +5623,7 @@
               <a:t>, (</a:t>
             </a:r>
             <a:r>
-              <a:rPr lang="en-GB" sz="1600" dirty="0">
+              <a:rPr lang="en-GB" sz="1700" dirty="0">
                 <a:solidFill>
                   <a:srgbClr val="0000FF"/>
                 </a:solidFill>
@@ -5668,7 +5632,7 @@
               <a:t>double</a:t>
             </a:r>
             <a:r>
-              <a:rPr lang="en-GB" sz="1600" dirty="0">
+              <a:rPr lang="en-GB" sz="1700" dirty="0">
                 <a:solidFill>
                   <a:srgbClr val="000000"/>
                 </a:solidFill>
@@ -5677,7 +5641,7 @@
               <a:t>)*</a:t>
             </a:r>
             <a:r>
-              <a:rPr lang="en-GB" sz="1600" dirty="0" err="1">
+              <a:rPr lang="en-GB" sz="1700" dirty="0" err="1">
                 <a:solidFill>
                   <a:srgbClr val="000000"/>
                 </a:solidFill>
@@ -5686,7 +5650,7 @@
               <a:t>gainParam</a:t>
             </a:r>
             <a:r>
-              <a:rPr lang="en-GB" sz="1600" dirty="0">
+              <a:rPr lang="en-GB" sz="1700" dirty="0">
                 <a:solidFill>
                   <a:srgbClr val="000000"/>
                 </a:solidFill>
@@ -5700,7 +5664,7 @@
               <a:buNone/>
             </a:pPr>
             <a:r>
-              <a:rPr lang="en-GB" sz="1600" dirty="0">
+              <a:rPr lang="en-GB" sz="1700" dirty="0">
                 <a:solidFill>
                   <a:srgbClr val="000000"/>
                 </a:solidFill>
@@ -5709,7 +5673,7 @@
               <a:t>  </a:t>
             </a:r>
             <a:r>
-              <a:rPr lang="en-GB" sz="1600" dirty="0" err="1">
+              <a:rPr lang="en-GB" sz="1700" dirty="0" err="1">
                 <a:solidFill>
                   <a:srgbClr val="000000"/>
                 </a:solidFill>
@@ -5718,7 +5682,7 @@
               <a:t>copyXmlToBinary</a:t>
             </a:r>
             <a:r>
-              <a:rPr lang="en-GB" sz="1600" dirty="0">
+              <a:rPr lang="en-GB" sz="1700" dirty="0">
                 <a:solidFill>
                   <a:srgbClr val="000000"/>
                 </a:solidFill>
@@ -5727,7 +5691,7 @@
               <a:t>(</a:t>
             </a:r>
             <a:r>
-              <a:rPr lang="en-GB" sz="1600" dirty="0">
+              <a:rPr lang="en-GB" sz="1700" dirty="0">
                 <a:solidFill>
                   <a:srgbClr val="008080"/>
                 </a:solidFill>
@@ -5736,7 +5700,7 @@
               <a:t>*</a:t>
             </a:r>
             <a:r>
-              <a:rPr lang="en-GB" sz="1600" dirty="0">
+              <a:rPr lang="en-GB" sz="1700" dirty="0">
                 <a:solidFill>
                   <a:srgbClr val="000000"/>
                 </a:solidFill>
@@ -5745,7 +5709,7 @@
               <a:t>xml, </a:t>
             </a:r>
             <a:r>
-              <a:rPr lang="en-GB" sz="1600" dirty="0" err="1">
+              <a:rPr lang="en-GB" sz="1700" dirty="0" err="1">
                 <a:solidFill>
                   <a:srgbClr val="808080"/>
                 </a:solidFill>
@@ -5754,7 +5718,7 @@
               <a:t>destData</a:t>
             </a:r>
             <a:r>
-              <a:rPr lang="en-GB" sz="1600" dirty="0">
+              <a:rPr lang="en-GB" sz="1700" dirty="0">
                 <a:solidFill>
                   <a:srgbClr val="000000"/>
                 </a:solidFill>
@@ -5768,7 +5732,7 @@
               <a:buNone/>
             </a:pPr>
             <a:r>
-              <a:rPr lang="en-GB" sz="1600" dirty="0">
+              <a:rPr lang="en-GB" sz="1700" dirty="0">
                 <a:solidFill>
                   <a:srgbClr val="000000"/>
                 </a:solidFill>
@@ -5782,7 +5746,7 @@
               <a:buNone/>
             </a:pPr>
             <a:r>
-              <a:rPr lang="en-GB" sz="1600" dirty="0">
+              <a:rPr lang="en-GB" sz="1700" dirty="0">
                 <a:solidFill>
                   <a:srgbClr val="0000FF"/>
                 </a:solidFill>
@@ -5791,7 +5755,7 @@
               <a:t>void</a:t>
             </a:r>
             <a:r>
-              <a:rPr lang="en-GB" sz="1600" dirty="0">
+              <a:rPr lang="en-GB" sz="1700" dirty="0">
                 <a:solidFill>
                   <a:srgbClr val="000000"/>
                 </a:solidFill>
@@ -5800,7 +5764,7 @@
               <a:t> </a:t>
             </a:r>
             <a:r>
-              <a:rPr lang="en-GB" sz="1600" dirty="0" err="1">
+              <a:rPr lang="en-GB" sz="1700" dirty="0" err="1">
                 <a:solidFill>
                   <a:srgbClr val="2B91AF"/>
                 </a:solidFill>
@@ -5809,7 +5773,7 @@
               <a:t>NewProjectAudioProcessor</a:t>
             </a:r>
             <a:r>
-              <a:rPr lang="en-GB" sz="1600" dirty="0">
+              <a:rPr lang="en-GB" sz="1700" dirty="0">
                 <a:solidFill>
                   <a:srgbClr val="000000"/>
                 </a:solidFill>
@@ -5818,7 +5782,7 @@
               <a:t>::</a:t>
             </a:r>
             <a:r>
-              <a:rPr lang="en-GB" sz="1600" dirty="0" err="1">
+              <a:rPr lang="en-GB" sz="1700" dirty="0" err="1">
                 <a:solidFill>
                   <a:srgbClr val="000000"/>
                 </a:solidFill>
@@ -5827,7 +5791,7 @@
               <a:t>setStateInformation</a:t>
             </a:r>
             <a:r>
-              <a:rPr lang="en-GB" sz="1600" dirty="0">
+              <a:rPr lang="en-GB" sz="1700" dirty="0">
                 <a:solidFill>
                   <a:srgbClr val="000000"/>
                 </a:solidFill>
@@ -5836,7 +5800,7 @@
               <a:t> (</a:t>
             </a:r>
             <a:r>
-              <a:rPr lang="en-GB" sz="1600" dirty="0" err="1">
+              <a:rPr lang="en-GB" sz="1700" dirty="0" err="1">
                 <a:solidFill>
                   <a:srgbClr val="0000FF"/>
                 </a:solidFill>
@@ -5845,7 +5809,7 @@
               <a:t>const</a:t>
             </a:r>
             <a:r>
-              <a:rPr lang="en-GB" sz="1600" dirty="0">
+              <a:rPr lang="en-GB" sz="1700" dirty="0">
                 <a:solidFill>
                   <a:srgbClr val="000000"/>
                 </a:solidFill>
@@ -5854,7 +5818,7 @@
               <a:t> </a:t>
             </a:r>
             <a:r>
-              <a:rPr lang="en-GB" sz="1600" dirty="0">
+              <a:rPr lang="en-GB" sz="1700" dirty="0">
                 <a:solidFill>
                   <a:srgbClr val="0000FF"/>
                 </a:solidFill>
@@ -5863,7 +5827,7 @@
               <a:t>void</a:t>
             </a:r>
             <a:r>
-              <a:rPr lang="en-GB" sz="1600" dirty="0">
+              <a:rPr lang="en-GB" sz="1700" dirty="0">
                 <a:solidFill>
                   <a:srgbClr val="000000"/>
                 </a:solidFill>
@@ -5872,7 +5836,7 @@
               <a:t>* </a:t>
             </a:r>
             <a:r>
-              <a:rPr lang="en-GB" sz="1600" dirty="0">
+              <a:rPr lang="en-GB" sz="1700" dirty="0">
                 <a:solidFill>
                   <a:srgbClr val="808080"/>
                 </a:solidFill>
@@ -5881,7 +5845,7 @@
               <a:t>data</a:t>
             </a:r>
             <a:r>
-              <a:rPr lang="en-GB" sz="1600" dirty="0">
+              <a:rPr lang="en-GB" sz="1700" dirty="0">
                 <a:solidFill>
                   <a:srgbClr val="000000"/>
                 </a:solidFill>
@@ -5890,7 +5854,7 @@
               <a:t>, </a:t>
             </a:r>
             <a:r>
-              <a:rPr lang="en-GB" sz="1600" dirty="0">
+              <a:rPr lang="en-GB" sz="1700" dirty="0">
                 <a:solidFill>
                   <a:srgbClr val="0000FF"/>
                 </a:solidFill>
@@ -5899,7 +5863,7 @@
               <a:t>int</a:t>
             </a:r>
             <a:r>
-              <a:rPr lang="en-GB" sz="1600" dirty="0">
+              <a:rPr lang="en-GB" sz="1700" dirty="0">
                 <a:solidFill>
                   <a:srgbClr val="000000"/>
                 </a:solidFill>
@@ -5908,7 +5872,7 @@
               <a:t> </a:t>
             </a:r>
             <a:r>
-              <a:rPr lang="en-GB" sz="1600" dirty="0" err="1">
+              <a:rPr lang="en-GB" sz="1700" dirty="0" err="1">
                 <a:solidFill>
                   <a:srgbClr val="808080"/>
                 </a:solidFill>
@@ -5917,7 +5881,7 @@
               <a:t>sizeInBytes</a:t>
             </a:r>
             <a:r>
-              <a:rPr lang="en-GB" sz="1600" dirty="0">
+              <a:rPr lang="en-GB" sz="1700" dirty="0">
                 <a:solidFill>
                   <a:srgbClr val="000000"/>
                 </a:solidFill>
@@ -5931,7 +5895,7 @@
               <a:buNone/>
             </a:pPr>
             <a:r>
-              <a:rPr lang="en-GB" sz="1600" dirty="0">
+              <a:rPr lang="en-GB" sz="1700" dirty="0">
                 <a:solidFill>
                   <a:srgbClr val="000000"/>
                 </a:solidFill>
@@ -5945,7 +5909,7 @@
               <a:buNone/>
             </a:pPr>
             <a:r>
-              <a:rPr lang="en-GB" sz="1600" dirty="0">
+              <a:rPr lang="en-GB" sz="1700" dirty="0">
                 <a:solidFill>
                   <a:srgbClr val="000000"/>
                 </a:solidFill>
@@ -5954,7 +5918,7 @@
               <a:t>  std::</a:t>
             </a:r>
             <a:r>
-              <a:rPr lang="en-GB" sz="1600" dirty="0" err="1">
+              <a:rPr lang="en-GB" sz="1700" dirty="0" err="1">
                 <a:solidFill>
                   <a:srgbClr val="2B91AF"/>
                 </a:solidFill>
@@ -5963,7 +5927,7 @@
               <a:t>unique_ptr</a:t>
             </a:r>
             <a:r>
-              <a:rPr lang="en-GB" sz="1600" dirty="0">
+              <a:rPr lang="en-GB" sz="1700" dirty="0">
                 <a:solidFill>
                   <a:srgbClr val="000000"/>
                 </a:solidFill>
@@ -5972,7 +5936,7 @@
               <a:t>&lt;</a:t>
             </a:r>
             <a:r>
-              <a:rPr lang="en-GB" sz="1600" dirty="0" err="1">
+              <a:rPr lang="en-GB" sz="1700" dirty="0" err="1">
                 <a:solidFill>
                   <a:srgbClr val="000000"/>
                 </a:solidFill>
@@ -5981,7 +5945,7 @@
               <a:t>juce</a:t>
             </a:r>
             <a:r>
-              <a:rPr lang="en-GB" sz="1600" dirty="0">
+              <a:rPr lang="en-GB" sz="1700" dirty="0">
                 <a:solidFill>
                   <a:srgbClr val="000000"/>
                 </a:solidFill>
@@ -5990,7 +5954,7 @@
               <a:t>::</a:t>
             </a:r>
             <a:r>
-              <a:rPr lang="en-GB" sz="1600" dirty="0" err="1">
+              <a:rPr lang="en-GB" sz="1700" dirty="0" err="1">
                 <a:solidFill>
                   <a:srgbClr val="2B91AF"/>
                 </a:solidFill>
@@ -5999,7 +5963,7 @@
               <a:t>XmlElement</a:t>
             </a:r>
             <a:r>
-              <a:rPr lang="en-GB" sz="1600" dirty="0">
+              <a:rPr lang="en-GB" sz="1700" dirty="0">
                 <a:solidFill>
                   <a:srgbClr val="000000"/>
                 </a:solidFill>
@@ -6008,7 +5972,7 @@
               <a:t>&gt; </a:t>
             </a:r>
             <a:r>
-              <a:rPr lang="en-GB" sz="1600" dirty="0" err="1">
+              <a:rPr lang="en-GB" sz="1700" dirty="0" err="1">
                 <a:solidFill>
                   <a:srgbClr val="000000"/>
                 </a:solidFill>
@@ -6017,7 +5981,7 @@
               <a:t>xmlState</a:t>
             </a:r>
             <a:r>
-              <a:rPr lang="en-GB" sz="1600" dirty="0">
+              <a:rPr lang="en-GB" sz="1700" dirty="0">
                 <a:solidFill>
                   <a:srgbClr val="000000"/>
                 </a:solidFill>
@@ -6026,7 +5990,7 @@
               <a:t>(</a:t>
             </a:r>
             <a:r>
-              <a:rPr lang="en-GB" sz="1600" dirty="0" err="1">
+              <a:rPr lang="en-GB" sz="1700" dirty="0" err="1">
                 <a:solidFill>
                   <a:srgbClr val="000000"/>
                 </a:solidFill>
@@ -6035,7 +5999,7 @@
               <a:t>getXmlFromBinary</a:t>
             </a:r>
             <a:r>
-              <a:rPr lang="en-GB" sz="1600" dirty="0">
+              <a:rPr lang="en-GB" sz="1700" dirty="0">
                 <a:solidFill>
                   <a:srgbClr val="000000"/>
                 </a:solidFill>
@@ -6044,7 +6008,7 @@
               <a:t>(</a:t>
             </a:r>
             <a:r>
-              <a:rPr lang="en-GB" sz="1600" dirty="0">
+              <a:rPr lang="en-GB" sz="1700" dirty="0">
                 <a:solidFill>
                   <a:srgbClr val="808080"/>
                 </a:solidFill>
@@ -6053,7 +6017,7 @@
               <a:t>data</a:t>
             </a:r>
             <a:r>
-              <a:rPr lang="en-GB" sz="1600" dirty="0">
+              <a:rPr lang="en-GB" sz="1700" dirty="0">
                 <a:solidFill>
                   <a:srgbClr val="000000"/>
                 </a:solidFill>
@@ -6062,7 +6026,7 @@
               <a:t>, </a:t>
             </a:r>
             <a:r>
-              <a:rPr lang="en-GB" sz="1600" dirty="0" err="1">
+              <a:rPr lang="en-GB" sz="1700" dirty="0" err="1">
                 <a:solidFill>
                   <a:srgbClr val="808080"/>
                 </a:solidFill>
@@ -6071,7 +6035,7 @@
               <a:t>sizeInBytes</a:t>
             </a:r>
             <a:r>
-              <a:rPr lang="en-GB" sz="1600" dirty="0">
+              <a:rPr lang="en-GB" sz="1700" dirty="0">
                 <a:solidFill>
                   <a:srgbClr val="000000"/>
                 </a:solidFill>
@@ -6085,7 +6049,7 @@
               <a:buNone/>
             </a:pPr>
             <a:r>
-              <a:rPr lang="en-GB" sz="1600" dirty="0">
+              <a:rPr lang="en-GB" sz="1700" dirty="0">
                 <a:solidFill>
                   <a:srgbClr val="000000"/>
                 </a:solidFill>
@@ -6094,7 +6058,7 @@
               <a:t>  </a:t>
             </a:r>
             <a:r>
-              <a:rPr lang="en-GB" sz="1600" dirty="0">
+              <a:rPr lang="en-GB" sz="1700" dirty="0">
                 <a:solidFill>
                   <a:srgbClr val="0000FF"/>
                 </a:solidFill>
@@ -6103,7 +6067,7 @@
               <a:t>if</a:t>
             </a:r>
             <a:r>
-              <a:rPr lang="en-GB" sz="1600" dirty="0">
+              <a:rPr lang="en-GB" sz="1700" dirty="0">
                 <a:solidFill>
                   <a:srgbClr val="000000"/>
                 </a:solidFill>
@@ -6112,7 +6076,7 @@
               <a:t> (</a:t>
             </a:r>
             <a:r>
-              <a:rPr lang="en-GB" sz="1600" dirty="0" err="1">
+              <a:rPr lang="en-GB" sz="1700" dirty="0" err="1">
                 <a:solidFill>
                   <a:srgbClr val="000000"/>
                 </a:solidFill>
@@ -6121,7 +6085,7 @@
               <a:t>xmlState.get</a:t>
             </a:r>
             <a:r>
-              <a:rPr lang="en-GB" sz="1600" dirty="0">
+              <a:rPr lang="en-GB" sz="1700" dirty="0">
                 <a:solidFill>
                   <a:srgbClr val="000000"/>
                 </a:solidFill>
@@ -6130,7 +6094,7 @@
               <a:t>() != </a:t>
             </a:r>
             <a:r>
-              <a:rPr lang="en-GB" sz="1600" dirty="0" err="1">
+              <a:rPr lang="en-GB" sz="1700" dirty="0" err="1">
                 <a:solidFill>
                   <a:srgbClr val="0000FF"/>
                 </a:solidFill>
@@ -6139,7 +6103,7 @@
               <a:t>nullptr</a:t>
             </a:r>
             <a:r>
-              <a:rPr lang="en-GB" sz="1600" dirty="0">
+              <a:rPr lang="en-GB" sz="1700" dirty="0">
                 <a:solidFill>
                   <a:srgbClr val="000000"/>
                 </a:solidFill>
@@ -6153,7 +6117,7 @@
               <a:buNone/>
             </a:pPr>
             <a:r>
-              <a:rPr lang="en-GB" sz="1600" dirty="0">
+              <a:rPr lang="en-GB" sz="1700" dirty="0">
                 <a:solidFill>
                   <a:srgbClr val="000000"/>
                 </a:solidFill>
@@ -6162,7 +6126,7 @@
               <a:t>    </a:t>
             </a:r>
             <a:r>
-              <a:rPr lang="en-GB" sz="1600" dirty="0">
+              <a:rPr lang="en-GB" sz="1700" dirty="0">
                 <a:solidFill>
                   <a:srgbClr val="0000FF"/>
                 </a:solidFill>
@@ -6171,7 +6135,7 @@
               <a:t>if</a:t>
             </a:r>
             <a:r>
-              <a:rPr lang="en-GB" sz="1600" dirty="0">
+              <a:rPr lang="en-GB" sz="1700" dirty="0">
                 <a:solidFill>
                   <a:srgbClr val="000000"/>
                 </a:solidFill>
@@ -6180,7 +6144,7 @@
               <a:t> (</a:t>
             </a:r>
             <a:r>
-              <a:rPr lang="en-GB" sz="1600" dirty="0" err="1">
+              <a:rPr lang="en-GB" sz="1700" dirty="0" err="1">
                 <a:solidFill>
                   <a:srgbClr val="000000"/>
                 </a:solidFill>
@@ -6189,7 +6153,7 @@
               <a:t>xmlState</a:t>
             </a:r>
             <a:r>
-              <a:rPr lang="en-GB" sz="1600" dirty="0">
+              <a:rPr lang="en-GB" sz="1700" dirty="0">
                 <a:solidFill>
                   <a:srgbClr val="008080"/>
                 </a:solidFill>
@@ -6198,7 +6162,7 @@
               <a:t>-&gt;</a:t>
             </a:r>
             <a:r>
-              <a:rPr lang="en-GB" sz="1600" dirty="0" err="1">
+              <a:rPr lang="en-GB" sz="1700" dirty="0" err="1">
                 <a:solidFill>
                   <a:srgbClr val="000000"/>
                 </a:solidFill>
@@ -6207,7 +6171,7 @@
               <a:t>hasTagName</a:t>
             </a:r>
             <a:r>
-              <a:rPr lang="en-GB" sz="1600" dirty="0">
+              <a:rPr lang="en-GB" sz="1700" dirty="0">
                 <a:solidFill>
                   <a:srgbClr val="000000"/>
                 </a:solidFill>
@@ -6216,7 +6180,7 @@
               <a:t>(</a:t>
             </a:r>
             <a:r>
-              <a:rPr lang="en-GB" sz="1600" dirty="0">
+              <a:rPr lang="en-GB" sz="1700" dirty="0">
                 <a:solidFill>
                   <a:srgbClr val="A31515"/>
                 </a:solidFill>
@@ -6225,7 +6189,7 @@
               <a:t>"</a:t>
             </a:r>
             <a:r>
-              <a:rPr lang="en-GB" sz="1600" dirty="0" err="1">
+              <a:rPr lang="en-GB" sz="1700" dirty="0" err="1">
                 <a:solidFill>
                   <a:srgbClr val="A31515"/>
                 </a:solidFill>
@@ -6234,7 +6198,7 @@
               <a:t>ParamTutorial</a:t>
             </a:r>
             <a:r>
-              <a:rPr lang="en-GB" sz="1600" dirty="0">
+              <a:rPr lang="en-GB" sz="1700" dirty="0">
                 <a:solidFill>
                   <a:srgbClr val="A31515"/>
                 </a:solidFill>
@@ -6243,7 +6207,7 @@
               <a:t>"</a:t>
             </a:r>
             <a:r>
-              <a:rPr lang="en-GB" sz="1600" dirty="0">
+              <a:rPr lang="en-GB" sz="1700" dirty="0">
                 <a:solidFill>
                   <a:srgbClr val="000000"/>
                 </a:solidFill>
@@ -6257,7 +6221,7 @@
               <a:buNone/>
             </a:pPr>
             <a:r>
-              <a:rPr lang="en-GB" sz="1600" dirty="0">
+              <a:rPr lang="en-GB" sz="1700" dirty="0">
                 <a:solidFill>
                   <a:srgbClr val="000000"/>
                 </a:solidFill>
@@ -6266,7 +6230,7 @@
               <a:t>      *</a:t>
             </a:r>
             <a:r>
-              <a:rPr lang="en-GB" sz="1600" dirty="0" err="1">
+              <a:rPr lang="en-GB" sz="1700" dirty="0" err="1">
                 <a:solidFill>
                   <a:srgbClr val="000000"/>
                 </a:solidFill>
@@ -6275,7 +6239,7 @@
               <a:t>gainParam</a:t>
             </a:r>
             <a:r>
-              <a:rPr lang="en-GB" sz="1600" dirty="0">
+              <a:rPr lang="en-GB" sz="1700" dirty="0">
                 <a:solidFill>
                   <a:srgbClr val="000000"/>
                 </a:solidFill>
@@ -6284,7 +6248,7 @@
               <a:t> </a:t>
             </a:r>
             <a:r>
-              <a:rPr lang="en-GB" sz="1600" dirty="0">
+              <a:rPr lang="en-GB" sz="1700" dirty="0">
                 <a:solidFill>
                   <a:srgbClr val="008080"/>
                 </a:solidFill>
@@ -6293,7 +6257,7 @@
               <a:t>=</a:t>
             </a:r>
             <a:r>
-              <a:rPr lang="en-GB" sz="1600" dirty="0">
+              <a:rPr lang="en-GB" sz="1700" dirty="0">
                 <a:solidFill>
                   <a:srgbClr val="000000"/>
                 </a:solidFill>
@@ -6302,7 +6266,7 @@
               <a:t> (</a:t>
             </a:r>
             <a:r>
-              <a:rPr lang="en-GB" sz="1600" dirty="0">
+              <a:rPr lang="en-GB" sz="1700" dirty="0">
                 <a:solidFill>
                   <a:srgbClr val="0000FF"/>
                 </a:solidFill>
@@ -6311,7 +6275,7 @@
               <a:t>float</a:t>
             </a:r>
             <a:r>
-              <a:rPr lang="en-GB" sz="1600" dirty="0">
+              <a:rPr lang="en-GB" sz="1700" dirty="0">
                 <a:solidFill>
                   <a:srgbClr val="000000"/>
                 </a:solidFill>
@@ -6320,7 +6284,7 @@
               <a:t>)</a:t>
             </a:r>
             <a:r>
-              <a:rPr lang="en-GB" sz="1600" dirty="0" err="1">
+              <a:rPr lang="en-GB" sz="1700" dirty="0" err="1">
                 <a:solidFill>
                   <a:srgbClr val="000000"/>
                 </a:solidFill>
@@ -6329,7 +6293,7 @@
               <a:t>xmlState</a:t>
             </a:r>
             <a:r>
-              <a:rPr lang="en-GB" sz="1600" dirty="0">
+              <a:rPr lang="en-GB" sz="1700" dirty="0">
                 <a:solidFill>
                   <a:srgbClr val="008080"/>
                 </a:solidFill>
@@ -6338,7 +6302,7 @@
               <a:t>-&gt;</a:t>
             </a:r>
             <a:r>
-              <a:rPr lang="en-GB" sz="1600" dirty="0" err="1">
+              <a:rPr lang="en-GB" sz="1700" dirty="0" err="1">
                 <a:solidFill>
                   <a:srgbClr val="000000"/>
                 </a:solidFill>
@@ -6347,7 +6311,7 @@
               <a:t>getDoubleAttribute</a:t>
             </a:r>
             <a:r>
-              <a:rPr lang="en-GB" sz="1600" dirty="0">
+              <a:rPr lang="en-GB" sz="1700" dirty="0">
                 <a:solidFill>
                   <a:srgbClr val="000000"/>
                 </a:solidFill>
@@ -6356,7 +6320,7 @@
               <a:t>(</a:t>
             </a:r>
             <a:r>
-              <a:rPr lang="en-GB" sz="1600" dirty="0">
+              <a:rPr lang="en-GB" sz="1700" dirty="0">
                 <a:solidFill>
                   <a:srgbClr val="A31515"/>
                 </a:solidFill>
@@ -6365,7 +6329,7 @@
               <a:t>"gain"</a:t>
             </a:r>
             <a:r>
-              <a:rPr lang="en-GB" sz="1600" dirty="0">
+              <a:rPr lang="en-GB" sz="1700" dirty="0">
                 <a:solidFill>
                   <a:srgbClr val="000000"/>
                 </a:solidFill>
@@ -6379,7 +6343,7 @@
               <a:buNone/>
             </a:pPr>
             <a:r>
-              <a:rPr lang="en-GB" sz="1600" dirty="0">
+              <a:rPr lang="en-GB" sz="1700" dirty="0">
                 <a:solidFill>
                   <a:srgbClr val="000000"/>
                 </a:solidFill>
@@ -6387,7 +6351,7 @@
               </a:rPr>
               <a:t>}</a:t>
             </a:r>
-            <a:endParaRPr lang="en-GB" dirty="0"/>
+            <a:endParaRPr lang="en-GB" sz="1700" dirty="0"/>
           </a:p>
         </p:txBody>
       </p:sp>
@@ -6473,34 +6437,9 @@
         </p:spPr>
         <p:txBody>
           <a:bodyPr>
-            <a:normAutofit fontScale="92500" lnSpcReduction="20000"/>
+            <a:normAutofit/>
           </a:bodyPr>
           <a:lstStyle/>
-          <a:p>
-            <a:r>
-              <a:rPr lang="en-GB" dirty="0"/>
-              <a:t>Lets modify the Generic UI Hello World</a:t>
-            </a:r>
-          </a:p>
-          <a:p>
-            <a:r>
-              <a:rPr lang="en-GB" dirty="0"/>
-              <a:t>We only need to change the </a:t>
-            </a:r>
-            <a:r>
-              <a:rPr lang="en-GB" dirty="0" err="1"/>
-              <a:t>getStateInformation</a:t>
-            </a:r>
-            <a:r>
-              <a:rPr lang="en-GB" dirty="0"/>
-              <a:t> and </a:t>
-            </a:r>
-            <a:r>
-              <a:rPr lang="en-GB" dirty="0" err="1"/>
-              <a:t>setStateInformation</a:t>
-            </a:r>
-            <a:endParaRPr lang="en-GB" dirty="0"/>
-          </a:p>
           <a:p>
             <a:r>
               <a:rPr lang="en-GB" dirty="0"/>
